--- a/项目.pptx
+++ b/项目.pptx
@@ -27,11 +27,12 @@
     <p:sldId id="280" r:id="rId21"/>
     <p:sldId id="279" r:id="rId22"/>
     <p:sldId id="281" r:id="rId23"/>
+    <p:sldId id="282" r:id="rId24"/>
   </p:sldIdLst>
   <p:sldSz cx="9144000" cy="6858000" type="screen4x3"/>
   <p:notesSz cx="6858000" cy="9144000"/>
   <p:custDataLst>
-    <p:tags r:id="rId24"/>
+    <p:tags r:id="rId25"/>
   </p:custDataLst>
   <p:defaultTextStyle>
     <a:defPPr>
@@ -24672,6 +24673,79 @@
     <p:extLst>
       <p:ext uri="{BB962C8B-B14F-4D97-AF65-F5344CB8AC3E}">
         <p14:creationId xmlns:p14="http://schemas.microsoft.com/office/powerpoint/2010/main" val="1180036795"/>
+      </p:ext>
+    </p:extLst>
+  </p:cSld>
+  <p:clrMapOvr>
+    <a:masterClrMapping/>
+  </p:clrMapOvr>
+</p:sld>
+</file>
+
+<file path=ppt/slides/slide23.xml><?xml version="1.0" encoding="utf-8"?>
+<p:sld xmlns:a="http://schemas.openxmlformats.org/drawingml/2006/main" xmlns:r="http://schemas.openxmlformats.org/officeDocument/2006/relationships" xmlns:p="http://schemas.openxmlformats.org/presentationml/2006/main">
+  <p:cSld>
+    <p:spTree>
+      <p:nvGrpSpPr>
+        <p:cNvPr id="1" name=""/>
+        <p:cNvGrpSpPr/>
+        <p:nvPr/>
+      </p:nvGrpSpPr>
+      <p:grpSpPr>
+        <a:xfrm>
+          <a:off x="0" y="0"/>
+          <a:ext cx="0" cy="0"/>
+          <a:chOff x="0" y="0"/>
+          <a:chExt cx="0" cy="0"/>
+        </a:xfrm>
+      </p:grpSpPr>
+      <p:sp>
+        <p:nvSpPr>
+          <p:cNvPr id="2" name="文本框 1">
+            <a:extLst>
+              <a:ext uri="{FF2B5EF4-FFF2-40B4-BE49-F238E27FC236}">
+                <a16:creationId xmlns:a16="http://schemas.microsoft.com/office/drawing/2014/main" id="{278A336C-04D9-BB1F-A8FF-7352D7F9BC39}"/>
+              </a:ext>
+            </a:extLst>
+          </p:cNvPr>
+          <p:cNvSpPr txBox="1"/>
+          <p:nvPr/>
+        </p:nvSpPr>
+        <p:spPr>
+          <a:xfrm>
+            <a:off x="683568" y="1268760"/>
+            <a:ext cx="3480440" cy="369332"/>
+          </a:xfrm>
+          <a:prstGeom prst="rect">
+            <a:avLst/>
+          </a:prstGeom>
+          <a:noFill/>
+        </p:spPr>
+        <p:txBody>
+          <a:bodyPr wrap="none" rtlCol="0">
+            <a:spAutoFit/>
+          </a:bodyPr>
+          <a:lstStyle/>
+          <a:p>
+            <a:r>
+              <a:rPr lang="zh-CN" altLang="en-US" dirty="0"/>
+              <a:t>网络输入</a:t>
+            </a:r>
+            <a:r>
+              <a:rPr lang="en-US" altLang="zh-CN" dirty="0"/>
+              <a:t>/</a:t>
+            </a:r>
+            <a:r>
+              <a:rPr lang="zh-CN" altLang="en-US" dirty="0"/>
+              <a:t>按键输入，写入队列，</a:t>
+            </a:r>
+          </a:p>
+        </p:txBody>
+      </p:sp>
+    </p:spTree>
+    <p:extLst>
+      <p:ext uri="{BB962C8B-B14F-4D97-AF65-F5344CB8AC3E}">
+        <p14:creationId xmlns:p14="http://schemas.microsoft.com/office/powerpoint/2010/main" val="3552723683"/>
       </p:ext>
     </p:extLst>
   </p:cSld>
